--- a/documentation/K-Means_CUDA_presentazione.pptx
+++ b/documentation/K-Means_CUDA_presentazione.pptx
@@ -137,14 +137,6 @@
     </p:ext>
   </p:extLst>
 </p:presentation>
-</file>
-
-<file path=ppt/revisionInfo.xml><?xml version="1.0" encoding="utf-8"?>
-<p1510:revInfo xmlns:a="http://schemas.openxmlformats.org/drawingml/2006/main" xmlns:r="http://schemas.openxmlformats.org/officeDocument/2006/relationships" xmlns:p1510="http://schemas.microsoft.com/office/powerpoint/2015/10/main">
-  <p1510:revLst>
-    <p1510:client id="{414FF838-128F-4A9F-8ECA-6E035C0FE2E4}" v="15" dt="2024-02-05T11:39:46.705"/>
-  </p1510:revLst>
-</p1510:revInfo>
 </file>
 
 <file path=ppt/changesInfos/changesInfo1.xml><?xml version="1.0" encoding="utf-8"?>
@@ -1087,6 +1079,30 @@
       </pc:sldChg>
     </pc:docChg>
   </pc:docChgLst>
+  <pc:docChgLst>
+    <pc:chgData name="jacopo sabatino" userId="d1d9f798595584a3" providerId="LiveId" clId="{F146C37B-7322-4DDD-B0A9-B82DA69D0F0B}"/>
+    <pc:docChg chg="modSld">
+      <pc:chgData name="jacopo sabatino" userId="d1d9f798595584a3" providerId="LiveId" clId="{F146C37B-7322-4DDD-B0A9-B82DA69D0F0B}" dt="2024-02-22T10:25:49.838" v="2" actId="1076"/>
+      <pc:docMkLst>
+        <pc:docMk/>
+      </pc:docMkLst>
+      <pc:sldChg chg="modSp mod">
+        <pc:chgData name="jacopo sabatino" userId="d1d9f798595584a3" providerId="LiveId" clId="{F146C37B-7322-4DDD-B0A9-B82DA69D0F0B}" dt="2024-02-22T10:25:49.838" v="2" actId="1076"/>
+        <pc:sldMkLst>
+          <pc:docMk/>
+          <pc:sldMk cId="811414072" sldId="264"/>
+        </pc:sldMkLst>
+        <pc:spChg chg="mod">
+          <ac:chgData name="jacopo sabatino" userId="d1d9f798595584a3" providerId="LiveId" clId="{F146C37B-7322-4DDD-B0A9-B82DA69D0F0B}" dt="2024-02-22T10:25:49.838" v="2" actId="1076"/>
+          <ac:spMkLst>
+            <pc:docMk/>
+            <pc:sldMk cId="811414072" sldId="264"/>
+            <ac:spMk id="6" creationId="{3F924FAC-BC4F-81F0-40E0-3F9EC72B3102}"/>
+          </ac:spMkLst>
+        </pc:spChg>
+      </pc:sldChg>
+    </pc:docChg>
+  </pc:docChgLst>
 </pc:chgInfo>
 </file>
 
@@ -1173,7 +1189,7 @@
             <a:fld id="{45BF3CCC-77DD-F84F-A249-CA3C5045A043}" type="datetime1">
               <a:rPr lang="it-IT" smtClean="0"/>
               <a:pPr/>
-              <a:t>05/02/2024</a:t>
+              <a:t>22/02/2024</a:t>
             </a:fld>
             <a:endParaRPr lang="it-IT"/>
           </a:p>
@@ -1341,7 +1357,7 @@
             <a:fld id="{FE692227-D6DC-FD45-9507-DB2BAD58473C}" type="datetime1">
               <a:rPr lang="it-IT" smtClean="0"/>
               <a:pPr/>
-              <a:t>05/02/2024</a:t>
+              <a:t>22/02/2024</a:t>
             </a:fld>
             <a:endParaRPr lang="it-IT"/>
           </a:p>
@@ -2747,7 +2763,7 @@
             <a:fld id="{AD8BF249-6BAC-CD40-AAE9-334F110649E5}" type="datetimeFigureOut">
               <a:rPr lang="it-IT" smtClean="0"/>
               <a:pPr/>
-              <a:t>05/02/2024</a:t>
+              <a:t>22/02/2024</a:t>
             </a:fld>
             <a:endParaRPr lang="it-IT"/>
           </a:p>
@@ -2917,7 +2933,7 @@
             <a:fld id="{AD8BF249-6BAC-CD40-AAE9-334F110649E5}" type="datetimeFigureOut">
               <a:rPr lang="it-IT" smtClean="0"/>
               <a:pPr/>
-              <a:t>05/02/2024</a:t>
+              <a:t>22/02/2024</a:t>
             </a:fld>
             <a:endParaRPr lang="it-IT"/>
           </a:p>
@@ -3097,7 +3113,7 @@
             <a:fld id="{AD8BF249-6BAC-CD40-AAE9-334F110649E5}" type="datetimeFigureOut">
               <a:rPr lang="it-IT" smtClean="0"/>
               <a:pPr/>
-              <a:t>05/02/2024</a:t>
+              <a:t>22/02/2024</a:t>
             </a:fld>
             <a:endParaRPr lang="it-IT"/>
           </a:p>
@@ -3267,7 +3283,7 @@
             <a:fld id="{AD8BF249-6BAC-CD40-AAE9-334F110649E5}" type="datetimeFigureOut">
               <a:rPr lang="it-IT" smtClean="0"/>
               <a:pPr/>
-              <a:t>05/02/2024</a:t>
+              <a:t>22/02/2024</a:t>
             </a:fld>
             <a:endParaRPr lang="it-IT"/>
           </a:p>
@@ -3514,7 +3530,7 @@
             <a:fld id="{AD8BF249-6BAC-CD40-AAE9-334F110649E5}" type="datetimeFigureOut">
               <a:rPr lang="it-IT" smtClean="0"/>
               <a:pPr/>
-              <a:t>05/02/2024</a:t>
+              <a:t>22/02/2024</a:t>
             </a:fld>
             <a:endParaRPr lang="it-IT"/>
           </a:p>
@@ -3801,7 +3817,7 @@
             <a:fld id="{AD8BF249-6BAC-CD40-AAE9-334F110649E5}" type="datetimeFigureOut">
               <a:rPr lang="it-IT" smtClean="0"/>
               <a:pPr/>
-              <a:t>05/02/2024</a:t>
+              <a:t>22/02/2024</a:t>
             </a:fld>
             <a:endParaRPr lang="it-IT"/>
           </a:p>
@@ -4222,7 +4238,7 @@
             <a:fld id="{AD8BF249-6BAC-CD40-AAE9-334F110649E5}" type="datetimeFigureOut">
               <a:rPr lang="it-IT" smtClean="0"/>
               <a:pPr/>
-              <a:t>05/02/2024</a:t>
+              <a:t>22/02/2024</a:t>
             </a:fld>
             <a:endParaRPr lang="it-IT"/>
           </a:p>
@@ -4341,7 +4357,7 @@
             <a:fld id="{AD8BF249-6BAC-CD40-AAE9-334F110649E5}" type="datetimeFigureOut">
               <a:rPr lang="it-IT" smtClean="0"/>
               <a:pPr/>
-              <a:t>05/02/2024</a:t>
+              <a:t>22/02/2024</a:t>
             </a:fld>
             <a:endParaRPr lang="it-IT"/>
           </a:p>
@@ -4438,7 +4454,7 @@
             <a:fld id="{AD8BF249-6BAC-CD40-AAE9-334F110649E5}" type="datetimeFigureOut">
               <a:rPr lang="it-IT" smtClean="0"/>
               <a:pPr/>
-              <a:t>05/02/2024</a:t>
+              <a:t>22/02/2024</a:t>
             </a:fld>
             <a:endParaRPr lang="it-IT"/>
           </a:p>
@@ -4715,7 +4731,7 @@
             <a:fld id="{AD8BF249-6BAC-CD40-AAE9-334F110649E5}" type="datetimeFigureOut">
               <a:rPr lang="it-IT" smtClean="0"/>
               <a:pPr/>
-              <a:t>05/02/2024</a:t>
+              <a:t>22/02/2024</a:t>
             </a:fld>
             <a:endParaRPr lang="it-IT"/>
           </a:p>
@@ -4969,7 +4985,7 @@
             <a:fld id="{AD8BF249-6BAC-CD40-AAE9-334F110649E5}" type="datetimeFigureOut">
               <a:rPr lang="it-IT" smtClean="0"/>
               <a:pPr/>
-              <a:t>05/02/2024</a:t>
+              <a:t>22/02/2024</a:t>
             </a:fld>
             <a:endParaRPr lang="it-IT"/>
           </a:p>
@@ -5182,7 +5198,7 @@
             <a:fld id="{AD8BF249-6BAC-CD40-AAE9-334F110649E5}" type="datetimeFigureOut">
               <a:rPr lang="it-IT" smtClean="0"/>
               <a:pPr/>
-              <a:t>05/02/2024</a:t>
+              <a:t>22/02/2024</a:t>
             </a:fld>
             <a:endParaRPr lang="it-IT"/>
           </a:p>
@@ -9650,8 +9666,8 @@
         </p:nvSpPr>
         <p:spPr>
           <a:xfrm>
-            <a:off x="4956105" y="2376113"/>
-            <a:ext cx="4078550" cy="2637710"/>
+            <a:off x="4952425" y="2798404"/>
+            <a:ext cx="4078550" cy="1991379"/>
           </a:xfrm>
           <a:prstGeom prst="rect">
             <a:avLst/>
@@ -9745,33 +9761,6 @@
                 <a:cs typeface="Arial" panose="020B0604020202020204" pitchFamily="34" charset="0"/>
               </a:rPr>
               <a:t>All’aumentare del numero di cluster cresce il tempo di esecuzione</a:t>
-            </a:r>
-          </a:p>
-          <a:p>
-            <a:pPr algn="just">
-              <a:lnSpc>
-                <a:spcPct val="150000"/>
-              </a:lnSpc>
-            </a:pPr>
-            <a:endParaRPr lang="it-IT" sz="1400" dirty="0">
-              <a:latin typeface="Arial" panose="020B0604020202020204" pitchFamily="34" charset="0"/>
-              <a:cs typeface="Arial" panose="020B0604020202020204" pitchFamily="34" charset="0"/>
-            </a:endParaRPr>
-          </a:p>
-          <a:p>
-            <a:pPr marL="285750" indent="-285750" algn="just">
-              <a:lnSpc>
-                <a:spcPct val="150000"/>
-              </a:lnSpc>
-              <a:buFont typeface="Arial" panose="020B0604020202020204" pitchFamily="34" charset="0"/>
-              <a:buChar char="•"/>
-            </a:pPr>
-            <a:r>
-              <a:rPr lang="it-IT" sz="1400" dirty="0">
-                <a:latin typeface="Arial" panose="020B0604020202020204" pitchFamily="34" charset="0"/>
-                <a:cs typeface="Arial" panose="020B0604020202020204" pitchFamily="34" charset="0"/>
-              </a:rPr>
-              <a:t>Andamento lineare</a:t>
             </a:r>
           </a:p>
         </p:txBody>
